--- a/itau_bacen/Corretora de Valores.pptx
+++ b/itau_bacen/Corretora de Valores.pptx
@@ -267,7 +267,7 @@
           <a:p>
             <a:fld id="{DE072AE2-A393-7D4A-A37D-46D57DDB2888}" type="datetimeFigureOut">
               <a:rPr lang="pt-BR" smtClean="0"/>
-              <a:t>12/01/2021</a:t>
+              <a:t>18/01/2021</a:t>
             </a:fld>
             <a:endParaRPr lang="pt-BR"/>
           </a:p>
@@ -465,7 +465,7 @@
           <a:p>
             <a:fld id="{DE072AE2-A393-7D4A-A37D-46D57DDB2888}" type="datetimeFigureOut">
               <a:rPr lang="pt-BR" smtClean="0"/>
-              <a:t>12/01/2021</a:t>
+              <a:t>18/01/2021</a:t>
             </a:fld>
             <a:endParaRPr lang="pt-BR"/>
           </a:p>
@@ -673,7 +673,7 @@
           <a:p>
             <a:fld id="{DE072AE2-A393-7D4A-A37D-46D57DDB2888}" type="datetimeFigureOut">
               <a:rPr lang="pt-BR" smtClean="0"/>
-              <a:t>12/01/2021</a:t>
+              <a:t>18/01/2021</a:t>
             </a:fld>
             <a:endParaRPr lang="pt-BR"/>
           </a:p>
@@ -871,7 +871,7 @@
           <a:p>
             <a:fld id="{DE072AE2-A393-7D4A-A37D-46D57DDB2888}" type="datetimeFigureOut">
               <a:rPr lang="pt-BR" smtClean="0"/>
-              <a:t>12/01/2021</a:t>
+              <a:t>18/01/2021</a:t>
             </a:fld>
             <a:endParaRPr lang="pt-BR"/>
           </a:p>
@@ -1146,7 +1146,7 @@
           <a:p>
             <a:fld id="{DE072AE2-A393-7D4A-A37D-46D57DDB2888}" type="datetimeFigureOut">
               <a:rPr lang="pt-BR" smtClean="0"/>
-              <a:t>12/01/2021</a:t>
+              <a:t>18/01/2021</a:t>
             </a:fld>
             <a:endParaRPr lang="pt-BR"/>
           </a:p>
@@ -1411,7 +1411,7 @@
           <a:p>
             <a:fld id="{DE072AE2-A393-7D4A-A37D-46D57DDB2888}" type="datetimeFigureOut">
               <a:rPr lang="pt-BR" smtClean="0"/>
-              <a:t>12/01/2021</a:t>
+              <a:t>18/01/2021</a:t>
             </a:fld>
             <a:endParaRPr lang="pt-BR"/>
           </a:p>
@@ -1823,7 +1823,7 @@
           <a:p>
             <a:fld id="{DE072AE2-A393-7D4A-A37D-46D57DDB2888}" type="datetimeFigureOut">
               <a:rPr lang="pt-BR" smtClean="0"/>
-              <a:t>12/01/2021</a:t>
+              <a:t>18/01/2021</a:t>
             </a:fld>
             <a:endParaRPr lang="pt-BR"/>
           </a:p>
@@ -1964,7 +1964,7 @@
           <a:p>
             <a:fld id="{DE072AE2-A393-7D4A-A37D-46D57DDB2888}" type="datetimeFigureOut">
               <a:rPr lang="pt-BR" smtClean="0"/>
-              <a:t>12/01/2021</a:t>
+              <a:t>18/01/2021</a:t>
             </a:fld>
             <a:endParaRPr lang="pt-BR"/>
           </a:p>
@@ -2077,7 +2077,7 @@
           <a:p>
             <a:fld id="{DE072AE2-A393-7D4A-A37D-46D57DDB2888}" type="datetimeFigureOut">
               <a:rPr lang="pt-BR" smtClean="0"/>
-              <a:t>12/01/2021</a:t>
+              <a:t>18/01/2021</a:t>
             </a:fld>
             <a:endParaRPr lang="pt-BR"/>
           </a:p>
@@ -2388,7 +2388,7 @@
           <a:p>
             <a:fld id="{DE072AE2-A393-7D4A-A37D-46D57DDB2888}" type="datetimeFigureOut">
               <a:rPr lang="pt-BR" smtClean="0"/>
-              <a:t>12/01/2021</a:t>
+              <a:t>18/01/2021</a:t>
             </a:fld>
             <a:endParaRPr lang="pt-BR"/>
           </a:p>
@@ -2676,7 +2676,7 @@
           <a:p>
             <a:fld id="{DE072AE2-A393-7D4A-A37D-46D57DDB2888}" type="datetimeFigureOut">
               <a:rPr lang="pt-BR" smtClean="0"/>
-              <a:t>12/01/2021</a:t>
+              <a:t>18/01/2021</a:t>
             </a:fld>
             <a:endParaRPr lang="pt-BR"/>
           </a:p>
@@ -2920,7 +2920,7 @@
           <a:p>
             <a:fld id="{DE072AE2-A393-7D4A-A37D-46D57DDB2888}" type="datetimeFigureOut">
               <a:rPr lang="pt-BR" smtClean="0"/>
-              <a:t>12/01/2021</a:t>
+              <a:t>18/01/2021</a:t>
             </a:fld>
             <a:endParaRPr lang="pt-BR"/>
           </a:p>
@@ -7928,12 +7928,12 @@
         <p:spPr>
           <a:xfrm>
             <a:off x="371093" y="2718054"/>
-            <a:ext cx="4471495" cy="1808227"/>
+            <a:ext cx="6057699" cy="3365505"/>
           </a:xfrm>
         </p:spPr>
         <p:txBody>
           <a:bodyPr anchor="t">
-            <a:normAutofit fontScale="92500"/>
+            <a:normAutofit/>
           </a:bodyPr>
           <a:lstStyle/>
           <a:p>
@@ -7943,9 +7943,14 @@
               </a:lnSpc>
             </a:pPr>
             <a:r>
+              <a:rPr lang="pt-BR" sz="2400" dirty="0" err="1"/>
+              <a:t>Identity</a:t>
+            </a:r>
+            <a:r>
               <a:rPr lang="pt-BR" sz="2400" dirty="0"/>
-              <a:t>Virtual Private Cloud – VPC</a:t>
+              <a:t> Access Management – IAM</a:t>
             </a:r>
+            <a:endParaRPr lang="pt-BR" sz="2000" dirty="0"/>
           </a:p>
           <a:p>
             <a:pPr>
@@ -7978,8 +7983,28 @@
             </a:r>
             <a:r>
               <a:rPr lang="pt-BR" sz="2400" dirty="0"/>
-              <a:t> Security - TLS</a:t>
+              <a:t> Security – TLS</a:t>
             </a:r>
+          </a:p>
+          <a:p>
+            <a:pPr>
+              <a:lnSpc>
+                <a:spcPct val="150000"/>
+              </a:lnSpc>
+            </a:pPr>
+            <a:r>
+              <a:rPr lang="pt-BR" sz="2400" dirty="0"/>
+              <a:t>Virtual Private Cloud – VPC</a:t>
+            </a:r>
+          </a:p>
+          <a:p>
+            <a:pPr marL="0" indent="0">
+              <a:lnSpc>
+                <a:spcPct val="150000"/>
+              </a:lnSpc>
+              <a:buNone/>
+            </a:pPr>
+            <a:endParaRPr lang="pt-BR" sz="2400" dirty="0"/>
           </a:p>
         </p:txBody>
       </p:sp>

--- a/itau_bacen/Corretora de Valores.pptx
+++ b/itau_bacen/Corretora de Valores.pptx
@@ -4307,7 +4307,7 @@
           </a:ln>
           <a:extLst>
             <a:ext uri="{C572A759-6A51-4108-AA02-DFA0A04FC94B}">
-              <ma14:wrappingTextBoxFlag xmlns="" xmlns:m="http://schemas.openxmlformats.org/officeDocument/2006/math" xmlns:a14="http://schemas.microsoft.com/office/drawing/2010/main" xmlns:ma14="http://schemas.microsoft.com/office/mac/drawingml/2011/main" xmlns:lc="http://schemas.openxmlformats.org/drawingml/2006/lockedCanvas" val="1"/>
+              <ma14:wrappingTextBoxFlag xmlns:lc="http://schemas.openxmlformats.org/drawingml/2006/lockedCanvas" xmlns:ma14="http://schemas.microsoft.com/office/mac/drawingml/2011/main" xmlns:a14="http://schemas.microsoft.com/office/drawing/2010/main" xmlns:m="http://schemas.openxmlformats.org/officeDocument/2006/math" xmlns="" val="1"/>
             </a:ext>
           </a:extLst>
         </p:spPr>
@@ -4772,7 +4772,7 @@
           </a:ln>
           <a:extLst>
             <a:ext uri="{C572A759-6A51-4108-AA02-DFA0A04FC94B}">
-              <ma14:wrappingTextBoxFlag xmlns="" xmlns:m="http://schemas.openxmlformats.org/officeDocument/2006/math" xmlns:a14="http://schemas.microsoft.com/office/drawing/2010/main" xmlns:ma14="http://schemas.microsoft.com/office/mac/drawingml/2011/main" xmlns:lc="http://schemas.openxmlformats.org/drawingml/2006/lockedCanvas" val="1"/>
+              <ma14:wrappingTextBoxFlag xmlns:lc="http://schemas.openxmlformats.org/drawingml/2006/lockedCanvas" xmlns:ma14="http://schemas.microsoft.com/office/mac/drawingml/2011/main" xmlns:a14="http://schemas.microsoft.com/office/drawing/2010/main" xmlns:m="http://schemas.openxmlformats.org/officeDocument/2006/math" xmlns="" val="1"/>
             </a:ext>
           </a:extLst>
         </p:spPr>
@@ -5151,7 +5151,7 @@
           </a:ln>
           <a:extLst>
             <a:ext uri="{C572A759-6A51-4108-AA02-DFA0A04FC94B}">
-              <ma14:wrappingTextBoxFlag xmlns="" xmlns:m="http://schemas.openxmlformats.org/officeDocument/2006/math" xmlns:a14="http://schemas.microsoft.com/office/drawing/2010/main" xmlns:ma14="http://schemas.microsoft.com/office/mac/drawingml/2011/main" xmlns:lc="http://schemas.openxmlformats.org/drawingml/2006/lockedCanvas" val="1"/>
+              <ma14:wrappingTextBoxFlag xmlns:lc="http://schemas.openxmlformats.org/drawingml/2006/lockedCanvas" xmlns:ma14="http://schemas.microsoft.com/office/mac/drawingml/2011/main" xmlns:a14="http://schemas.microsoft.com/office/drawing/2010/main" xmlns:m="http://schemas.openxmlformats.org/officeDocument/2006/math" xmlns="" val="1"/>
             </a:ext>
           </a:extLst>
         </p:spPr>
@@ -5499,7 +5499,7 @@
           </a:ln>
           <a:extLst>
             <a:ext uri="{C572A759-6A51-4108-AA02-DFA0A04FC94B}">
-              <ma14:wrappingTextBoxFlag xmlns="" xmlns:m="http://schemas.openxmlformats.org/officeDocument/2006/math" xmlns:a14="http://schemas.microsoft.com/office/drawing/2010/main" xmlns:ma14="http://schemas.microsoft.com/office/mac/drawingml/2011/main" xmlns:lc="http://schemas.openxmlformats.org/drawingml/2006/lockedCanvas" val="1"/>
+              <ma14:wrappingTextBoxFlag xmlns:lc="http://schemas.openxmlformats.org/drawingml/2006/lockedCanvas" xmlns:ma14="http://schemas.microsoft.com/office/mac/drawingml/2011/main" xmlns:a14="http://schemas.microsoft.com/office/drawing/2010/main" xmlns:m="http://schemas.openxmlformats.org/officeDocument/2006/math" xmlns="" val="1"/>
             </a:ext>
           </a:extLst>
         </p:spPr>
@@ -9533,7 +9533,7 @@
         </p:blipFill>
         <p:spPr bwMode="auto">
           <a:xfrm>
-            <a:off x="9954479" y="3152438"/>
+            <a:off x="10779797" y="3289873"/>
             <a:ext cx="1256070" cy="659437"/>
           </a:xfrm>
           <a:prstGeom prst="rect">
@@ -9562,15 +9562,13 @@
           </p:cNvPr>
           <p:cNvCxnSpPr>
             <a:cxnSpLocks/>
-            <a:stCxn id="94" idx="3"/>
-            <a:endCxn id="1050" idx="1"/>
           </p:cNvCxnSpPr>
           <p:nvPr/>
         </p:nvCxnSpPr>
         <p:spPr>
           <a:xfrm>
-            <a:off x="9455086" y="3476718"/>
-            <a:ext cx="499393" cy="5439"/>
+            <a:off x="9455086" y="3381238"/>
+            <a:ext cx="882117" cy="180143"/>
           </a:xfrm>
           <a:prstGeom prst="bentConnector3">
             <a:avLst>
@@ -10509,7 +10507,7 @@
         <p:spPr>
           <a:xfrm>
             <a:off x="1678804" y="280766"/>
-            <a:ext cx="10137462" cy="3994678"/>
+            <a:ext cx="10237580" cy="3994678"/>
           </a:xfrm>
           <a:prstGeom prst="rect">
             <a:avLst/>
@@ -10884,6 +10882,72 @@
           </a:fontRef>
         </p:style>
       </p:cxnSp>
+      <p:pic>
+        <p:nvPicPr>
+          <p:cNvPr id="9" name="Imagem 8">
+            <a:extLst>
+              <a:ext uri="{FF2B5EF4-FFF2-40B4-BE49-F238E27FC236}">
+                <a16:creationId xmlns:a16="http://schemas.microsoft.com/office/drawing/2014/main" id="{BE7EF98A-CA53-42F1-A9D4-010F234CE595}"/>
+              </a:ext>
+            </a:extLst>
+          </p:cNvPr>
+          <p:cNvPicPr>
+            <a:picLocks noChangeAspect="1"/>
+          </p:cNvPicPr>
+          <p:nvPr/>
+        </p:nvPicPr>
+        <p:blipFill>
+          <a:blip r:embed="rId16"/>
+          <a:stretch>
+            <a:fillRect/>
+          </a:stretch>
+        </p:blipFill>
+        <p:spPr>
+          <a:xfrm>
+            <a:off x="10469974" y="3285363"/>
+            <a:ext cx="488891" cy="586669"/>
+          </a:xfrm>
+          <a:prstGeom prst="rect">
+            <a:avLst/>
+          </a:prstGeom>
+        </p:spPr>
+      </p:pic>
+      <p:sp>
+        <p:nvSpPr>
+          <p:cNvPr id="78" name="CaixaDeTexto 77">
+            <a:extLst>
+              <a:ext uri="{FF2B5EF4-FFF2-40B4-BE49-F238E27FC236}">
+                <a16:creationId xmlns:a16="http://schemas.microsoft.com/office/drawing/2014/main" id="{3B21F6D6-3D67-4AA4-BB89-51871F001C59}"/>
+              </a:ext>
+            </a:extLst>
+          </p:cNvPr>
+          <p:cNvSpPr txBox="1"/>
+          <p:nvPr/>
+        </p:nvSpPr>
+        <p:spPr>
+          <a:xfrm>
+            <a:off x="10177202" y="3844221"/>
+            <a:ext cx="1223668" cy="369332"/>
+          </a:xfrm>
+          <a:prstGeom prst="rect">
+            <a:avLst/>
+          </a:prstGeom>
+          <a:noFill/>
+        </p:spPr>
+        <p:txBody>
+          <a:bodyPr wrap="none" rtlCol="0">
+            <a:spAutoFit/>
+          </a:bodyPr>
+          <a:lstStyle/>
+          <a:p>
+            <a:r>
+              <a:rPr lang="pt-BR" dirty="0" err="1"/>
+              <a:t>SageMaker</a:t>
+            </a:r>
+            <a:endParaRPr lang="pt-BR" dirty="0"/>
+          </a:p>
+        </p:txBody>
+      </p:sp>
     </p:spTree>
     <p:extLst>
       <p:ext uri="{BB962C8B-B14F-4D97-AF65-F5344CB8AC3E}">
@@ -12708,6 +12772,33 @@
                                   </p:childTnLst>
                                 </p:cTn>
                               </p:par>
+                              <p:par>
+                                <p:cTn id="139" presetID="1" presetClass="entr" presetSubtype="0" fill="hold" grpId="0" nodeType="withEffect">
+                                  <p:stCondLst>
+                                    <p:cond delay="0"/>
+                                  </p:stCondLst>
+                                  <p:childTnLst>
+                                    <p:set>
+                                      <p:cBhvr>
+                                        <p:cTn id="140" dur="1" fill="hold">
+                                          <p:stCondLst>
+                                            <p:cond delay="0"/>
+                                          </p:stCondLst>
+                                        </p:cTn>
+                                        <p:tgtEl>
+                                          <p:spTgt spid="78"/>
+                                        </p:tgtEl>
+                                        <p:attrNameLst>
+                                          <p:attrName>style.visibility</p:attrName>
+                                        </p:attrNameLst>
+                                      </p:cBhvr>
+                                      <p:to>
+                                        <p:strVal val="visible"/>
+                                      </p:to>
+                                    </p:set>
+                                  </p:childTnLst>
+                                </p:cTn>
+                              </p:par>
                             </p:childTnLst>
                           </p:cTn>
                         </p:par>
@@ -12753,6 +12844,7 @@
       <p:bldP spid="164" grpId="0"/>
       <p:bldP spid="165" grpId="0" animBg="1"/>
       <p:bldP spid="166" grpId="0"/>
+      <p:bldP spid="78" grpId="0"/>
     </p:bldLst>
   </p:timing>
 </p:sld>
@@ -12948,53 +13040,6 @@
           </a:p>
         </p:txBody>
       </p:sp>
-      <p:pic>
-        <p:nvPicPr>
-          <p:cNvPr id="1050" name="Picture 26">
-            <a:extLst>
-              <a:ext uri="{FF2B5EF4-FFF2-40B4-BE49-F238E27FC236}">
-                <a16:creationId xmlns:a16="http://schemas.microsoft.com/office/drawing/2014/main" id="{2D664E9D-2DDA-DF4E-9E35-F544B9AC5A0C}"/>
-              </a:ext>
-            </a:extLst>
-          </p:cNvPr>
-          <p:cNvPicPr>
-            <a:picLocks noChangeAspect="1" noChangeArrowheads="1"/>
-          </p:cNvPicPr>
-          <p:nvPr/>
-        </p:nvPicPr>
-        <p:blipFill>
-          <a:blip r:embed="rId4">
-            <a:extLst>
-              <a:ext uri="{28A0092B-C50C-407E-A947-70E740481C1C}">
-                <a14:useLocalDpi xmlns:a14="http://schemas.microsoft.com/office/drawing/2010/main" val="0"/>
-              </a:ext>
-            </a:extLst>
-          </a:blip>
-          <a:srcRect/>
-          <a:stretch>
-            <a:fillRect/>
-          </a:stretch>
-        </p:blipFill>
-        <p:spPr bwMode="auto">
-          <a:xfrm>
-            <a:off x="2710773" y="4377062"/>
-            <a:ext cx="1256070" cy="659437"/>
-          </a:xfrm>
-          <a:prstGeom prst="rect">
-            <a:avLst/>
-          </a:prstGeom>
-          <a:noFill/>
-          <a:extLst>
-            <a:ext uri="{909E8E84-426E-40DD-AFC4-6F175D3DCCD1}">
-              <a14:hiddenFill xmlns:a14="http://schemas.microsoft.com/office/drawing/2010/main">
-                <a:solidFill>
-                  <a:srgbClr val="FFFFFF"/>
-                </a:solidFill>
-              </a14:hiddenFill>
-            </a:ext>
-          </a:extLst>
-        </p:spPr>
-      </p:pic>
       <p:cxnSp>
         <p:nvCxnSpPr>
           <p:cNvPr id="74" name="Conector Angulado 82">
@@ -13012,11 +13057,11 @@
         <p:spPr>
           <a:xfrm>
             <a:off x="2132888" y="4629240"/>
-            <a:ext cx="341354" cy="2473"/>
+            <a:ext cx="559349" cy="2473"/>
           </a:xfrm>
           <a:prstGeom prst="bentConnector3">
             <a:avLst>
-              <a:gd name="adj1" fmla="val 41451"/>
+              <a:gd name="adj1" fmla="val 50000"/>
             </a:avLst>
           </a:prstGeom>
           <a:ln w="25400">
@@ -13136,7 +13181,7 @@
           <p:nvPr/>
         </p:nvPicPr>
         <p:blipFill>
-          <a:blip r:embed="rId5">
+          <a:blip r:embed="rId4">
             <a:extLst>
               <a:ext uri="{28A0092B-C50C-407E-A947-70E740481C1C}">
                 <a14:useLocalDpi xmlns:a14="http://schemas.microsoft.com/office/drawing/2010/main" val="0"/>
@@ -13269,10 +13314,10 @@
           <p:nvPr/>
         </p:nvPicPr>
         <p:blipFill>
-          <a:blip r:embed="rId6">
+          <a:blip r:embed="rId5">
             <a:extLst>
               <a:ext uri="{96DAC541-7B7A-43D3-8B79-37D633B846F1}">
-                <asvg:svgBlip xmlns:asvg="http://schemas.microsoft.com/office/drawing/2016/SVG/main" r:embed="rId7"/>
+                <asvg:svgBlip xmlns:asvg="http://schemas.microsoft.com/office/drawing/2016/SVG/main" r:embed="rId6"/>
               </a:ext>
             </a:extLst>
           </a:blip>
@@ -13305,7 +13350,7 @@
           <p:nvPr/>
         </p:nvPicPr>
         <p:blipFill>
-          <a:blip r:embed="rId8">
+          <a:blip r:embed="rId7">
             <a:extLst>
               <a:ext uri="{28A0092B-C50C-407E-A947-70E740481C1C}">
                 <a14:useLocalDpi xmlns:a14="http://schemas.microsoft.com/office/drawing/2010/main" val="0"/>
@@ -13869,6 +13914,119 @@
               <a:rPr lang="pt-BR" dirty="0"/>
               <a:t>Disponibilização dos Dados</a:t>
             </a:r>
+          </a:p>
+        </p:txBody>
+      </p:sp>
+      <p:pic>
+        <p:nvPicPr>
+          <p:cNvPr id="29" name="Picture 26">
+            <a:extLst>
+              <a:ext uri="{FF2B5EF4-FFF2-40B4-BE49-F238E27FC236}">
+                <a16:creationId xmlns:a16="http://schemas.microsoft.com/office/drawing/2014/main" id="{1A8B2172-38E5-4234-BBA4-2D94F4FD4591}"/>
+              </a:ext>
+            </a:extLst>
+          </p:cNvPr>
+          <p:cNvPicPr>
+            <a:picLocks noChangeAspect="1" noChangeArrowheads="1"/>
+          </p:cNvPicPr>
+          <p:nvPr/>
+        </p:nvPicPr>
+        <p:blipFill>
+          <a:blip r:embed="rId8">
+            <a:extLst>
+              <a:ext uri="{28A0092B-C50C-407E-A947-70E740481C1C}">
+                <a14:useLocalDpi xmlns:a14="http://schemas.microsoft.com/office/drawing/2010/main" val="0"/>
+              </a:ext>
+            </a:extLst>
+          </a:blip>
+          <a:srcRect/>
+          <a:stretch>
+            <a:fillRect/>
+          </a:stretch>
+        </p:blipFill>
+        <p:spPr bwMode="auto">
+          <a:xfrm>
+            <a:off x="2712371" y="3939124"/>
+            <a:ext cx="1256070" cy="659437"/>
+          </a:xfrm>
+          <a:prstGeom prst="rect">
+            <a:avLst/>
+          </a:prstGeom>
+          <a:noFill/>
+          <a:extLst>
+            <a:ext uri="{909E8E84-426E-40DD-AFC4-6F175D3DCCD1}">
+              <a14:hiddenFill xmlns:a14="http://schemas.microsoft.com/office/drawing/2010/main">
+                <a:solidFill>
+                  <a:srgbClr val="FFFFFF"/>
+                </a:solidFill>
+              </a14:hiddenFill>
+            </a:ext>
+          </a:extLst>
+        </p:spPr>
+      </p:pic>
+      <p:pic>
+        <p:nvPicPr>
+          <p:cNvPr id="30" name="Imagem 29">
+            <a:extLst>
+              <a:ext uri="{FF2B5EF4-FFF2-40B4-BE49-F238E27FC236}">
+                <a16:creationId xmlns:a16="http://schemas.microsoft.com/office/drawing/2014/main" id="{235CE1E8-9BC9-43AA-AE86-B17433214564}"/>
+              </a:ext>
+            </a:extLst>
+          </p:cNvPr>
+          <p:cNvPicPr>
+            <a:picLocks noChangeAspect="1"/>
+          </p:cNvPicPr>
+          <p:nvPr/>
+        </p:nvPicPr>
+        <p:blipFill>
+          <a:blip r:embed="rId9"/>
+          <a:stretch>
+            <a:fillRect/>
+          </a:stretch>
+        </p:blipFill>
+        <p:spPr>
+          <a:xfrm>
+            <a:off x="3059788" y="4589678"/>
+            <a:ext cx="488891" cy="586669"/>
+          </a:xfrm>
+          <a:prstGeom prst="rect">
+            <a:avLst/>
+          </a:prstGeom>
+        </p:spPr>
+      </p:pic>
+      <p:sp>
+        <p:nvSpPr>
+          <p:cNvPr id="31" name="CaixaDeTexto 30">
+            <a:extLst>
+              <a:ext uri="{FF2B5EF4-FFF2-40B4-BE49-F238E27FC236}">
+                <a16:creationId xmlns:a16="http://schemas.microsoft.com/office/drawing/2014/main" id="{94B25283-557E-43F8-B725-65BC7BF64151}"/>
+              </a:ext>
+            </a:extLst>
+          </p:cNvPr>
+          <p:cNvSpPr txBox="1"/>
+          <p:nvPr/>
+        </p:nvSpPr>
+        <p:spPr>
+          <a:xfrm>
+            <a:off x="2666040" y="5103080"/>
+            <a:ext cx="1223668" cy="369332"/>
+          </a:xfrm>
+          <a:prstGeom prst="rect">
+            <a:avLst/>
+          </a:prstGeom>
+          <a:noFill/>
+        </p:spPr>
+        <p:txBody>
+          <a:bodyPr wrap="none" rtlCol="0">
+            <a:spAutoFit/>
+          </a:bodyPr>
+          <a:lstStyle/>
+          <a:p>
+            <a:r>
+              <a:rPr lang="pt-BR" dirty="0" err="1"/>
+              <a:t>SageMaker</a:t>
+            </a:r>
+            <a:endParaRPr lang="pt-BR" dirty="0"/>
           </a:p>
         </p:txBody>
       </p:sp>
@@ -14000,7 +14158,7 @@
                                           </p:stCondLst>
                                         </p:cTn>
                                         <p:tgtEl>
-                                          <p:spTgt spid="1050"/>
+                                          <p:spTgt spid="74"/>
                                         </p:tgtEl>
                                         <p:attrNameLst>
                                           <p:attrName>style.visibility</p:attrName>
@@ -14014,7 +14172,7 @@
                                 </p:cTn>
                               </p:par>
                               <p:par>
-                                <p:cTn id="13" presetID="1" presetClass="entr" presetSubtype="0" fill="hold" nodeType="withEffect">
+                                <p:cTn id="13" presetID="1" presetClass="entr" presetSubtype="0" fill="hold" grpId="0" nodeType="withEffect">
                                   <p:stCondLst>
                                     <p:cond delay="0"/>
                                   </p:stCondLst>
@@ -14027,7 +14185,7 @@
                                           </p:stCondLst>
                                         </p:cTn>
                                         <p:tgtEl>
-                                          <p:spTgt spid="74"/>
+                                          <p:spTgt spid="104"/>
                                         </p:tgtEl>
                                         <p:attrNameLst>
                                           <p:attrName>style.visibility</p:attrName>
@@ -14054,7 +14212,7 @@
                                           </p:stCondLst>
                                         </p:cTn>
                                         <p:tgtEl>
-                                          <p:spTgt spid="104"/>
+                                          <p:spTgt spid="107"/>
                                         </p:tgtEl>
                                         <p:attrNameLst>
                                           <p:attrName>style.visibility</p:attrName>
@@ -14081,7 +14239,7 @@
                                           </p:stCondLst>
                                         </p:cTn>
                                         <p:tgtEl>
-                                          <p:spTgt spid="107"/>
+                                          <p:spTgt spid="109"/>
                                         </p:tgtEl>
                                         <p:attrNameLst>
                                           <p:attrName>style.visibility</p:attrName>
@@ -14108,33 +14266,6 @@
                                           </p:stCondLst>
                                         </p:cTn>
                                         <p:tgtEl>
-                                          <p:spTgt spid="109"/>
-                                        </p:tgtEl>
-                                        <p:attrNameLst>
-                                          <p:attrName>style.visibility</p:attrName>
-                                        </p:attrNameLst>
-                                      </p:cBhvr>
-                                      <p:to>
-                                        <p:strVal val="visible"/>
-                                      </p:to>
-                                    </p:set>
-                                  </p:childTnLst>
-                                </p:cTn>
-                              </p:par>
-                              <p:par>
-                                <p:cTn id="21" presetID="1" presetClass="entr" presetSubtype="0" fill="hold" grpId="0" nodeType="withEffect">
-                                  <p:stCondLst>
-                                    <p:cond delay="0"/>
-                                  </p:stCondLst>
-                                  <p:childTnLst>
-                                    <p:set>
-                                      <p:cBhvr>
-                                        <p:cTn id="22" dur="1" fill="hold">
-                                          <p:stCondLst>
-                                            <p:cond delay="0"/>
-                                          </p:stCondLst>
-                                        </p:cTn>
-                                        <p:tgtEl>
                                           <p:spTgt spid="28"/>
                                         </p:tgtEl>
                                         <p:attrNameLst>
@@ -14155,26 +14286,26 @@
                     </p:cTn>
                   </p:par>
                   <p:par>
-                    <p:cTn id="23" fill="hold">
+                    <p:cTn id="21" fill="hold">
                       <p:stCondLst>
                         <p:cond delay="indefinite"/>
                       </p:stCondLst>
                       <p:childTnLst>
                         <p:par>
-                          <p:cTn id="24" fill="hold">
+                          <p:cTn id="22" fill="hold">
                             <p:stCondLst>
                               <p:cond delay="0"/>
                             </p:stCondLst>
                             <p:childTnLst>
                               <p:par>
-                                <p:cTn id="25" presetID="1" presetClass="entr" presetSubtype="0" fill="hold" nodeType="clickEffect">
+                                <p:cTn id="23" presetID="1" presetClass="entr" presetSubtype="0" fill="hold" nodeType="clickEffect">
                                   <p:stCondLst>
                                     <p:cond delay="0"/>
                                   </p:stCondLst>
                                   <p:childTnLst>
                                     <p:set>
                                       <p:cBhvr>
-                                        <p:cTn id="26" dur="1" fill="hold">
+                                        <p:cTn id="24" dur="1" fill="hold">
                                           <p:stCondLst>
                                             <p:cond delay="0"/>
                                           </p:stCondLst>
@@ -14194,7 +14325,34 @@
                                 </p:cTn>
                               </p:par>
                               <p:par>
-                                <p:cTn id="27" presetID="1" presetClass="entr" presetSubtype="0" fill="hold" grpId="0" nodeType="withEffect">
+                                <p:cTn id="25" presetID="1" presetClass="entr" presetSubtype="0" fill="hold" grpId="0" nodeType="withEffect">
+                                  <p:stCondLst>
+                                    <p:cond delay="0"/>
+                                  </p:stCondLst>
+                                  <p:childTnLst>
+                                    <p:set>
+                                      <p:cBhvr>
+                                        <p:cTn id="26" dur="1" fill="hold">
+                                          <p:stCondLst>
+                                            <p:cond delay="0"/>
+                                          </p:stCondLst>
+                                        </p:cTn>
+                                        <p:tgtEl>
+                                          <p:spTgt spid="88"/>
+                                        </p:tgtEl>
+                                        <p:attrNameLst>
+                                          <p:attrName>style.visibility</p:attrName>
+                                        </p:attrNameLst>
+                                      </p:cBhvr>
+                                      <p:to>
+                                        <p:strVal val="visible"/>
+                                      </p:to>
+                                    </p:set>
+                                  </p:childTnLst>
+                                </p:cTn>
+                              </p:par>
+                              <p:par>
+                                <p:cTn id="27" presetID="1" presetClass="entr" presetSubtype="0" fill="hold" nodeType="withEffect">
                                   <p:stCondLst>
                                     <p:cond delay="0"/>
                                   </p:stCondLst>
@@ -14207,7 +14365,7 @@
                                           </p:stCondLst>
                                         </p:cTn>
                                         <p:tgtEl>
-                                          <p:spTgt spid="88"/>
+                                          <p:spTgt spid="93"/>
                                         </p:tgtEl>
                                         <p:attrNameLst>
                                           <p:attrName>style.visibility</p:attrName>
@@ -14234,7 +14392,7 @@
                                           </p:stCondLst>
                                         </p:cTn>
                                         <p:tgtEl>
-                                          <p:spTgt spid="93"/>
+                                          <p:spTgt spid="14"/>
                                         </p:tgtEl>
                                         <p:attrNameLst>
                                           <p:attrName>style.visibility</p:attrName>
@@ -14261,7 +14419,7 @@
                                           </p:stCondLst>
                                         </p:cTn>
                                         <p:tgtEl>
-                                          <p:spTgt spid="14"/>
+                                          <p:spTgt spid="97"/>
                                         </p:tgtEl>
                                         <p:attrNameLst>
                                           <p:attrName>style.visibility</p:attrName>
@@ -14288,33 +14446,6 @@
                                           </p:stCondLst>
                                         </p:cTn>
                                         <p:tgtEl>
-                                          <p:spTgt spid="97"/>
-                                        </p:tgtEl>
-                                        <p:attrNameLst>
-                                          <p:attrName>style.visibility</p:attrName>
-                                        </p:attrNameLst>
-                                      </p:cBhvr>
-                                      <p:to>
-                                        <p:strVal val="visible"/>
-                                      </p:to>
-                                    </p:set>
-                                  </p:childTnLst>
-                                </p:cTn>
-                              </p:par>
-                              <p:par>
-                                <p:cTn id="35" presetID="1" presetClass="entr" presetSubtype="0" fill="hold" nodeType="withEffect">
-                                  <p:stCondLst>
-                                    <p:cond delay="0"/>
-                                  </p:stCondLst>
-                                  <p:childTnLst>
-                                    <p:set>
-                                      <p:cBhvr>
-                                        <p:cTn id="36" dur="1" fill="hold">
-                                          <p:stCondLst>
-                                            <p:cond delay="0"/>
-                                          </p:stCondLst>
-                                        </p:cTn>
-                                        <p:tgtEl>
                                           <p:spTgt spid="99"/>
                                         </p:tgtEl>
                                         <p:attrNameLst>
@@ -14329,14 +14460,14 @@
                                 </p:cTn>
                               </p:par>
                               <p:par>
-                                <p:cTn id="37" presetID="1" presetClass="entr" presetSubtype="0" fill="hold" grpId="0" nodeType="withEffect">
+                                <p:cTn id="35" presetID="1" presetClass="entr" presetSubtype="0" fill="hold" grpId="0" nodeType="withEffect">
                                   <p:stCondLst>
                                     <p:cond delay="0"/>
                                   </p:stCondLst>
                                   <p:childTnLst>
                                     <p:set>
                                       <p:cBhvr>
-                                        <p:cTn id="38" dur="1" fill="hold">
+                                        <p:cTn id="36" dur="1" fill="hold">
                                           <p:stCondLst>
                                             <p:cond delay="0"/>
                                           </p:stCondLst>
@@ -14356,7 +14487,34 @@
                                 </p:cTn>
                               </p:par>
                               <p:par>
-                                <p:cTn id="39" presetID="1" presetClass="entr" presetSubtype="0" fill="hold" nodeType="withEffect">
+                                <p:cTn id="37" presetID="1" presetClass="entr" presetSubtype="0" fill="hold" nodeType="withEffect">
+                                  <p:stCondLst>
+                                    <p:cond delay="0"/>
+                                  </p:stCondLst>
+                                  <p:childTnLst>
+                                    <p:set>
+                                      <p:cBhvr>
+                                        <p:cTn id="38" dur="1" fill="hold">
+                                          <p:stCondLst>
+                                            <p:cond delay="0"/>
+                                          </p:stCondLst>
+                                        </p:cTn>
+                                        <p:tgtEl>
+                                          <p:spTgt spid="101"/>
+                                        </p:tgtEl>
+                                        <p:attrNameLst>
+                                          <p:attrName>style.visibility</p:attrName>
+                                        </p:attrNameLst>
+                                      </p:cBhvr>
+                                      <p:to>
+                                        <p:strVal val="visible"/>
+                                      </p:to>
+                                    </p:set>
+                                  </p:childTnLst>
+                                </p:cTn>
+                              </p:par>
+                              <p:par>
+                                <p:cTn id="39" presetID="1" presetClass="entr" presetSubtype="0" fill="hold" grpId="0" nodeType="withEffect">
                                   <p:stCondLst>
                                     <p:cond delay="0"/>
                                   </p:stCondLst>
@@ -14369,7 +14527,7 @@
                                           </p:stCondLst>
                                         </p:cTn>
                                         <p:tgtEl>
-                                          <p:spTgt spid="101"/>
+                                          <p:spTgt spid="103"/>
                                         </p:tgtEl>
                                         <p:attrNameLst>
                                           <p:attrName>style.visibility</p:attrName>
@@ -14396,7 +14554,7 @@
                                           </p:stCondLst>
                                         </p:cTn>
                                         <p:tgtEl>
-                                          <p:spTgt spid="103"/>
+                                          <p:spTgt spid="105"/>
                                         </p:tgtEl>
                                         <p:attrNameLst>
                                           <p:attrName>style.visibility</p:attrName>
@@ -14423,7 +14581,7 @@
                                           </p:stCondLst>
                                         </p:cTn>
                                         <p:tgtEl>
-                                          <p:spTgt spid="105"/>
+                                          <p:spTgt spid="111"/>
                                         </p:tgtEl>
                                         <p:attrNameLst>
                                           <p:attrName>style.visibility</p:attrName>
@@ -14450,7 +14608,7 @@
                                           </p:stCondLst>
                                         </p:cTn>
                                         <p:tgtEl>
-                                          <p:spTgt spid="111"/>
+                                          <p:spTgt spid="112"/>
                                         </p:tgtEl>
                                         <p:attrNameLst>
                                           <p:attrName>style.visibility</p:attrName>
@@ -14464,7 +14622,7 @@
                                 </p:cTn>
                               </p:par>
                               <p:par>
-                                <p:cTn id="47" presetID="1" presetClass="entr" presetSubtype="0" fill="hold" grpId="0" nodeType="withEffect">
+                                <p:cTn id="47" presetID="1" presetClass="entr" presetSubtype="0" fill="hold" nodeType="withEffect">
                                   <p:stCondLst>
                                     <p:cond delay="0"/>
                                   </p:stCondLst>
@@ -14477,7 +14635,7 @@
                                           </p:stCondLst>
                                         </p:cTn>
                                         <p:tgtEl>
-                                          <p:spTgt spid="112"/>
+                                          <p:spTgt spid="90"/>
                                         </p:tgtEl>
                                         <p:attrNameLst>
                                           <p:attrName>style.visibility</p:attrName>
@@ -14504,33 +14662,6 @@
                                           </p:stCondLst>
                                         </p:cTn>
                                         <p:tgtEl>
-                                          <p:spTgt spid="90"/>
-                                        </p:tgtEl>
-                                        <p:attrNameLst>
-                                          <p:attrName>style.visibility</p:attrName>
-                                        </p:attrNameLst>
-                                      </p:cBhvr>
-                                      <p:to>
-                                        <p:strVal val="visible"/>
-                                      </p:to>
-                                    </p:set>
-                                  </p:childTnLst>
-                                </p:cTn>
-                              </p:par>
-                              <p:par>
-                                <p:cTn id="51" presetID="1" presetClass="entr" presetSubtype="0" fill="hold" nodeType="withEffect">
-                                  <p:stCondLst>
-                                    <p:cond delay="0"/>
-                                  </p:stCondLst>
-                                  <p:childTnLst>
-                                    <p:set>
-                                      <p:cBhvr>
-                                        <p:cTn id="52" dur="1" fill="hold">
-                                          <p:stCondLst>
-                                            <p:cond delay="0"/>
-                                          </p:stCondLst>
-                                        </p:cTn>
-                                        <p:tgtEl>
                                           <p:spTgt spid="91"/>
                                         </p:tgtEl>
                                         <p:attrNameLst>
@@ -14545,7 +14676,34 @@
                                 </p:cTn>
                               </p:par>
                               <p:par>
-                                <p:cTn id="53" presetID="1" presetClass="entr" presetSubtype="0" fill="hold" grpId="0" nodeType="withEffect">
+                                <p:cTn id="51" presetID="1" presetClass="entr" presetSubtype="0" fill="hold" grpId="0" nodeType="withEffect">
+                                  <p:stCondLst>
+                                    <p:cond delay="0"/>
+                                  </p:stCondLst>
+                                  <p:childTnLst>
+                                    <p:set>
+                                      <p:cBhvr>
+                                        <p:cTn id="52" dur="1" fill="hold">
+                                          <p:stCondLst>
+                                            <p:cond delay="0"/>
+                                          </p:stCondLst>
+                                        </p:cTn>
+                                        <p:tgtEl>
+                                          <p:spTgt spid="27"/>
+                                        </p:tgtEl>
+                                        <p:attrNameLst>
+                                          <p:attrName>style.visibility</p:attrName>
+                                        </p:attrNameLst>
+                                      </p:cBhvr>
+                                      <p:to>
+                                        <p:strVal val="visible"/>
+                                      </p:to>
+                                    </p:set>
+                                  </p:childTnLst>
+                                </p:cTn>
+                              </p:par>
+                              <p:par>
+                                <p:cTn id="53" presetID="1" presetClass="entr" presetSubtype="0" fill="hold" nodeType="withEffect">
                                   <p:stCondLst>
                                     <p:cond delay="0"/>
                                   </p:stCondLst>
@@ -14558,7 +14716,34 @@
                                           </p:stCondLst>
                                         </p:cTn>
                                         <p:tgtEl>
-                                          <p:spTgt spid="27"/>
+                                          <p:spTgt spid="29"/>
+                                        </p:tgtEl>
+                                        <p:attrNameLst>
+                                          <p:attrName>style.visibility</p:attrName>
+                                        </p:attrNameLst>
+                                      </p:cBhvr>
+                                      <p:to>
+                                        <p:strVal val="visible"/>
+                                      </p:to>
+                                    </p:set>
+                                  </p:childTnLst>
+                                </p:cTn>
+                              </p:par>
+                              <p:par>
+                                <p:cTn id="55" presetID="1" presetClass="entr" presetSubtype="0" fill="hold" grpId="0" nodeType="withEffect">
+                                  <p:stCondLst>
+                                    <p:cond delay="0"/>
+                                  </p:stCondLst>
+                                  <p:childTnLst>
+                                    <p:set>
+                                      <p:cBhvr>
+                                        <p:cTn id="56" dur="1" fill="hold">
+                                          <p:stCondLst>
+                                            <p:cond delay="0"/>
+                                          </p:stCondLst>
+                                        </p:cTn>
+                                        <p:tgtEl>
+                                          <p:spTgt spid="31"/>
                                         </p:tgtEl>
                                         <p:attrNameLst>
                                           <p:attrName>style.visibility</p:attrName>
@@ -14611,6 +14796,7 @@
       <p:bldP spid="112" grpId="0"/>
       <p:bldP spid="27" grpId="0"/>
       <p:bldP spid="28" grpId="0"/>
+      <p:bldP spid="31" grpId="0"/>
     </p:bldLst>
   </p:timing>
 </p:sld>
@@ -14991,7 +15177,7 @@
             <a:round/>
             <a:extLst>
               <a:ext uri="{C807C97D-BFC1-408E-A445-0C87EB9F89A2}">
-                <ask:lineSketchStyleProps xmlns:ask="http://schemas.microsoft.com/office/drawing/2018/sketchyshapes" xmlns="" sd="2863741219">
+                <ask:lineSketchStyleProps xmlns="" xmlns:ask="http://schemas.microsoft.com/office/drawing/2018/sketchyshapes" sd="2863741219">
                   <a:prstGeom prst="rect">
                     <a:avLst/>
                   </a:prstGeom>
